--- a/Fixed Income-29.pptx
+++ b/Fixed Income-29.pptx
@@ -216,7 +216,7 @@
           <a:p>
             <a:fld id="{E1548280-F18E-4769-9169-02F5DF14C56C}" type="datetimeFigureOut">
               <a:rPr lang="en-US" smtClean="0"/>
-              <a:t>4/11/2023</a:t>
+              <a:t>4/12/2023</a:t>
             </a:fld>
             <a:endParaRPr lang="en-US"/>
           </a:p>
@@ -9363,7 +9363,7 @@
           <a:p>
             <a:fld id="{1EAE87C0-8280-45FA-80E7-8D3312DCDAEE}" type="datetimeFigureOut">
               <a:rPr lang="en-US" smtClean="0"/>
-              <a:t>4/11/2023</a:t>
+              <a:t>4/12/2023</a:t>
             </a:fld>
             <a:endParaRPr lang="en-US"/>
           </a:p>
@@ -9570,7 +9570,7 @@
           <a:p>
             <a:fld id="{1EAE87C0-8280-45FA-80E7-8D3312DCDAEE}" type="datetimeFigureOut">
               <a:rPr lang="en-US" smtClean="0"/>
-              <a:t>4/11/2023</a:t>
+              <a:t>4/12/2023</a:t>
             </a:fld>
             <a:endParaRPr lang="en-US"/>
           </a:p>
@@ -9750,7 +9750,7 @@
           <a:p>
             <a:fld id="{1EAE87C0-8280-45FA-80E7-8D3312DCDAEE}" type="datetimeFigureOut">
               <a:rPr lang="en-US" smtClean="0"/>
-              <a:t>4/11/2023</a:t>
+              <a:t>4/12/2023</a:t>
             </a:fld>
             <a:endParaRPr lang="en-US"/>
           </a:p>
@@ -9955,7 +9955,7 @@
           <a:p>
             <a:fld id="{1EAE87C0-8280-45FA-80E7-8D3312DCDAEE}" type="datetimeFigureOut">
               <a:rPr lang="en-US" smtClean="0"/>
-              <a:t>4/11/2023</a:t>
+              <a:t>4/12/2023</a:t>
             </a:fld>
             <a:endParaRPr lang="en-US"/>
           </a:p>
@@ -18853,7 +18853,7 @@
           <a:p>
             <a:fld id="{1EAE87C0-8280-45FA-80E7-8D3312DCDAEE}" type="datetimeFigureOut">
               <a:rPr lang="en-US" smtClean="0"/>
-              <a:t>4/11/2023</a:t>
+              <a:t>4/12/2023</a:t>
             </a:fld>
             <a:endParaRPr lang="en-US"/>
           </a:p>
@@ -19127,7 +19127,7 @@
           <a:p>
             <a:fld id="{1EAE87C0-8280-45FA-80E7-8D3312DCDAEE}" type="datetimeFigureOut">
               <a:rPr lang="en-US" smtClean="0"/>
-              <a:t>4/11/2023</a:t>
+              <a:t>4/12/2023</a:t>
             </a:fld>
             <a:endParaRPr lang="en-US"/>
           </a:p>
@@ -19525,7 +19525,7 @@
           <a:p>
             <a:fld id="{1EAE87C0-8280-45FA-80E7-8D3312DCDAEE}" type="datetimeFigureOut">
               <a:rPr lang="en-US" smtClean="0"/>
-              <a:t>4/11/2023</a:t>
+              <a:t>4/12/2023</a:t>
             </a:fld>
             <a:endParaRPr lang="en-US"/>
           </a:p>
@@ -19643,7 +19643,7 @@
           <a:p>
             <a:fld id="{1EAE87C0-8280-45FA-80E7-8D3312DCDAEE}" type="datetimeFigureOut">
               <a:rPr lang="en-US" smtClean="0"/>
-              <a:t>4/11/2023</a:t>
+              <a:t>4/12/2023</a:t>
             </a:fld>
             <a:endParaRPr lang="en-US"/>
           </a:p>
@@ -19738,7 +19738,7 @@
           <a:p>
             <a:fld id="{1EAE87C0-8280-45FA-80E7-8D3312DCDAEE}" type="datetimeFigureOut">
               <a:rPr lang="en-US" smtClean="0"/>
-              <a:t>4/11/2023</a:t>
+              <a:t>4/12/2023</a:t>
             </a:fld>
             <a:endParaRPr lang="en-US"/>
           </a:p>
@@ -20028,7 +20028,7 @@
           <a:p>
             <a:fld id="{1EAE87C0-8280-45FA-80E7-8D3312DCDAEE}" type="datetimeFigureOut">
               <a:rPr lang="en-US" smtClean="0"/>
-              <a:t>4/11/2023</a:t>
+              <a:t>4/12/2023</a:t>
             </a:fld>
             <a:endParaRPr lang="en-US"/>
           </a:p>
@@ -20308,7 +20308,7 @@
           <a:p>
             <a:fld id="{1EAE87C0-8280-45FA-80E7-8D3312DCDAEE}" type="datetimeFigureOut">
               <a:rPr lang="en-US" smtClean="0"/>
-              <a:t>4/11/2023</a:t>
+              <a:t>4/12/2023</a:t>
             </a:fld>
             <a:endParaRPr lang="en-US"/>
           </a:p>
@@ -20558,7 +20558,7 @@
           <a:p>
             <a:fld id="{1EAE87C0-8280-45FA-80E7-8D3312DCDAEE}" type="datetimeFigureOut">
               <a:rPr lang="en-US" smtClean="0"/>
-              <a:t>4/11/2023</a:t>
+              <a:t>4/12/2023</a:t>
             </a:fld>
             <a:endParaRPr lang="en-US"/>
           </a:p>
@@ -24429,7 +24429,9 @@
             </p:nvSpPr>
             <p:spPr/>
             <p:txBody>
-              <a:bodyPr/>
+              <a:bodyPr>
+                <a:normAutofit lnSpcReduction="10000"/>
+              </a:bodyPr>
               <a:lstStyle/>
               <a:p>
                 <a:r>
@@ -24535,7 +24537,7 @@
                             <m:nor/>
                           </m:rPr>
                           <a:rPr lang="en-US" b="0" i="0" smtClean="0"/>
-                          <m:t>)*(</m:t>
+                          <m:t>)∗(</m:t>
                         </m:r>
                         <m:r>
                           <m:rPr>
@@ -24571,10 +24573,639 @@
                 </a:r>
               </a:p>
               <a:p>
-                <a:endParaRPr lang="en-US" dirty="0"/>
+                <a14:m>
+                  <m:oMath xmlns:m="http://schemas.openxmlformats.org/officeDocument/2006/math">
+                    <m:r>
+                      <m:rPr>
+                        <m:nor/>
+                      </m:rPr>
+                      <a:rPr lang="en-US"/>
+                      <m:t>PV</m:t>
+                    </m:r>
+                    <m:r>
+                      <m:rPr>
+                        <m:nor/>
+                      </m:rPr>
+                      <a:rPr lang="en-US" baseline="-10000"/>
+                      <m:t>0</m:t>
+                    </m:r>
+                  </m:oMath>
+                </a14:m>
+                <a:r>
+                  <a:rPr lang="en-US" dirty="0"/>
+                  <a:t> = [</a:t>
+                </a:r>
+                <a14:m>
+                  <m:oMath xmlns:m="http://schemas.openxmlformats.org/officeDocument/2006/math">
+                    <m:f>
+                      <m:fPr>
+                        <m:ctrlPr>
+                          <a:rPr lang="en-US" i="1" smtClean="0">
+                            <a:latin typeface="Cambria Math" panose="02040503050406030204" pitchFamily="18" charset="0"/>
+                          </a:rPr>
+                        </m:ctrlPr>
+                      </m:fPr>
+                      <m:num>
+                        <m:r>
+                          <a:rPr lang="en-US" b="0" i="1" smtClean="0">
+                            <a:latin typeface="Cambria Math" panose="02040503050406030204" pitchFamily="18" charset="0"/>
+                          </a:rPr>
+                          <m:t>3</m:t>
+                        </m:r>
+                      </m:num>
+                      <m:den>
+                        <m:d>
+                          <m:dPr>
+                            <m:ctrlPr>
+                              <a:rPr lang="en-US" b="0" i="1" smtClean="0">
+                                <a:latin typeface="Cambria Math" panose="02040503050406030204" pitchFamily="18" charset="0"/>
+                              </a:rPr>
+                            </m:ctrlPr>
+                          </m:dPr>
+                          <m:e>
+                            <m:r>
+                              <a:rPr lang="en-US" b="0" i="1" smtClean="0">
+                                <a:latin typeface="Cambria Math" panose="02040503050406030204" pitchFamily="18" charset="0"/>
+                              </a:rPr>
+                              <m:t>1.03</m:t>
+                            </m:r>
+                          </m:e>
+                        </m:d>
+                        <m:r>
+                          <a:rPr lang="en-US" b="0" i="1" baseline="30000" smtClean="0">
+                            <a:latin typeface="Cambria Math" panose="02040503050406030204" pitchFamily="18" charset="0"/>
+                          </a:rPr>
+                          <m:t>1</m:t>
+                        </m:r>
+                      </m:den>
+                    </m:f>
+                    <m:r>
+                      <a:rPr lang="en-US" b="0" i="1" smtClean="0">
+                        <a:latin typeface="Cambria Math" panose="02040503050406030204" pitchFamily="18" charset="0"/>
+                      </a:rPr>
+                      <m:t>+</m:t>
+                    </m:r>
+                    <m:f>
+                      <m:fPr>
+                        <m:ctrlPr>
+                          <a:rPr lang="en-US" i="1">
+                            <a:latin typeface="Cambria Math" panose="02040503050406030204" pitchFamily="18" charset="0"/>
+                          </a:rPr>
+                        </m:ctrlPr>
+                      </m:fPr>
+                      <m:num>
+                        <m:r>
+                          <a:rPr lang="en-US" i="1">
+                            <a:latin typeface="Cambria Math" panose="02040503050406030204" pitchFamily="18" charset="0"/>
+                          </a:rPr>
+                          <m:t>3</m:t>
+                        </m:r>
+                      </m:num>
+                      <m:den>
+                        <m:d>
+                          <m:dPr>
+                            <m:ctrlPr>
+                              <a:rPr lang="en-US" i="1">
+                                <a:latin typeface="Cambria Math" panose="02040503050406030204" pitchFamily="18" charset="0"/>
+                              </a:rPr>
+                            </m:ctrlPr>
+                          </m:dPr>
+                          <m:e>
+                            <m:r>
+                              <a:rPr lang="en-US" i="1">
+                                <a:latin typeface="Cambria Math" panose="02040503050406030204" pitchFamily="18" charset="0"/>
+                              </a:rPr>
+                              <m:t>1.03</m:t>
+                            </m:r>
+                          </m:e>
+                        </m:d>
+                        <m:r>
+                          <a:rPr lang="en-US" b="0" i="1" baseline="30000" smtClean="0">
+                            <a:latin typeface="Cambria Math" panose="02040503050406030204" pitchFamily="18" charset="0"/>
+                          </a:rPr>
+                          <m:t>2</m:t>
+                        </m:r>
+                      </m:den>
+                    </m:f>
+                  </m:oMath>
+                </a14:m>
+                <a:r>
+                  <a:rPr lang="en-US" dirty="0"/>
+                  <a:t> +… + </a:t>
+                </a:r>
+                <a14:m>
+                  <m:oMath xmlns:m="http://schemas.openxmlformats.org/officeDocument/2006/math">
+                    <m:f>
+                      <m:fPr>
+                        <m:ctrlPr>
+                          <a:rPr lang="en-US" i="1">
+                            <a:latin typeface="Cambria Math" panose="02040503050406030204" pitchFamily="18" charset="0"/>
+                          </a:rPr>
+                        </m:ctrlPr>
+                      </m:fPr>
+                      <m:num>
+                        <m:r>
+                          <a:rPr lang="en-US" b="0" i="1" smtClean="0">
+                            <a:latin typeface="Cambria Math" panose="02040503050406030204" pitchFamily="18" charset="0"/>
+                          </a:rPr>
+                          <m:t>10</m:t>
+                        </m:r>
+                        <m:r>
+                          <a:rPr lang="en-US" i="1">
+                            <a:latin typeface="Cambria Math" panose="02040503050406030204" pitchFamily="18" charset="0"/>
+                          </a:rPr>
+                          <m:t>3</m:t>
+                        </m:r>
+                      </m:num>
+                      <m:den>
+                        <m:d>
+                          <m:dPr>
+                            <m:ctrlPr>
+                              <a:rPr lang="en-US" i="1">
+                                <a:latin typeface="Cambria Math" panose="02040503050406030204" pitchFamily="18" charset="0"/>
+                              </a:rPr>
+                            </m:ctrlPr>
+                          </m:dPr>
+                          <m:e>
+                            <m:r>
+                              <a:rPr lang="en-US" i="1">
+                                <a:latin typeface="Cambria Math" panose="02040503050406030204" pitchFamily="18" charset="0"/>
+                              </a:rPr>
+                              <m:t>1.03</m:t>
+                            </m:r>
+                          </m:e>
+                        </m:d>
+                        <m:r>
+                          <a:rPr lang="en-US" b="0" i="1" baseline="30000" smtClean="0">
+                            <a:latin typeface="Cambria Math" panose="02040503050406030204" pitchFamily="18" charset="0"/>
+                          </a:rPr>
+                          <m:t>8</m:t>
+                        </m:r>
+                      </m:den>
+                    </m:f>
+                  </m:oMath>
+                </a14:m>
+                <a:r>
+                  <a:rPr lang="en-US" dirty="0"/>
+                  <a:t>] *(1.03)</a:t>
+                </a:r>
+                <a:r>
+                  <a:rPr lang="en-US" baseline="30000" dirty="0"/>
+                  <a:t>57/180 </a:t>
+                </a:r>
+                <a:r>
+                  <a:rPr lang="en-US" dirty="0"/>
+                  <a:t> = 100.940423</a:t>
+                </a:r>
               </a:p>
               <a:p>
-                <a:endParaRPr lang="en-US" dirty="0"/>
+                <a14:m>
+                  <m:oMath xmlns:m="http://schemas.openxmlformats.org/officeDocument/2006/math">
+                    <m:r>
+                      <a:rPr lang="en-US" i="1">
+                        <a:latin typeface="Cambria Math" panose="02040503050406030204" pitchFamily="18" charset="0"/>
+                      </a:rPr>
+                      <m:t>𝑃</m:t>
+                    </m:r>
+                    <m:r>
+                      <a:rPr lang="en-US" b="0" i="1" smtClean="0">
+                        <a:latin typeface="Cambria Math" panose="02040503050406030204" pitchFamily="18" charset="0"/>
+                      </a:rPr>
+                      <m:t>𝑉</m:t>
+                    </m:r>
+                    <m:r>
+                      <a:rPr lang="en-US" i="1" baseline="-10000">
+                        <a:latin typeface="Cambria Math" panose="02040503050406030204" pitchFamily="18" charset="0"/>
+                      </a:rPr>
+                      <m:t>+</m:t>
+                    </m:r>
+                    <m:r>
+                      <a:rPr lang="en-US" b="0" i="1" baseline="-10000" smtClean="0">
+                        <a:latin typeface="Cambria Math" panose="02040503050406030204" pitchFamily="18" charset="0"/>
+                      </a:rPr>
+                      <m:t> </m:t>
+                    </m:r>
+                  </m:oMath>
+                </a14:m>
+                <a:r>
+                  <a:rPr lang="en-US" dirty="0"/>
+                  <a:t>= [</a:t>
+                </a:r>
+                <a14:m>
+                  <m:oMath xmlns:m="http://schemas.openxmlformats.org/officeDocument/2006/math">
+                    <m:f>
+                      <m:fPr>
+                        <m:ctrlPr>
+                          <a:rPr lang="en-US" i="1">
+                            <a:latin typeface="Cambria Math" panose="02040503050406030204" pitchFamily="18" charset="0"/>
+                          </a:rPr>
+                        </m:ctrlPr>
+                      </m:fPr>
+                      <m:num>
+                        <m:r>
+                          <a:rPr lang="en-US" i="1">
+                            <a:latin typeface="Cambria Math" panose="02040503050406030204" pitchFamily="18" charset="0"/>
+                          </a:rPr>
+                          <m:t>3</m:t>
+                        </m:r>
+                      </m:num>
+                      <m:den>
+                        <m:d>
+                          <m:dPr>
+                            <m:ctrlPr>
+                              <a:rPr lang="en-US" i="1">
+                                <a:latin typeface="Cambria Math" panose="02040503050406030204" pitchFamily="18" charset="0"/>
+                              </a:rPr>
+                            </m:ctrlPr>
+                          </m:dPr>
+                          <m:e>
+                            <m:r>
+                              <a:rPr lang="en-US" i="1">
+                                <a:latin typeface="Cambria Math" panose="02040503050406030204" pitchFamily="18" charset="0"/>
+                              </a:rPr>
+                              <m:t>1.03</m:t>
+                            </m:r>
+                            <m:r>
+                              <a:rPr lang="en-US" b="0" i="1" smtClean="0">
+                                <a:latin typeface="Cambria Math" panose="02040503050406030204" pitchFamily="18" charset="0"/>
+                              </a:rPr>
+                              <m:t>025</m:t>
+                            </m:r>
+                          </m:e>
+                        </m:d>
+                        <m:r>
+                          <a:rPr lang="en-US" i="1" baseline="30000">
+                            <a:latin typeface="Cambria Math" panose="02040503050406030204" pitchFamily="18" charset="0"/>
+                          </a:rPr>
+                          <m:t>1</m:t>
+                        </m:r>
+                      </m:den>
+                    </m:f>
+                    <m:r>
+                      <a:rPr lang="en-US" i="1">
+                        <a:latin typeface="Cambria Math" panose="02040503050406030204" pitchFamily="18" charset="0"/>
+                      </a:rPr>
+                      <m:t>+</m:t>
+                    </m:r>
+                    <m:f>
+                      <m:fPr>
+                        <m:ctrlPr>
+                          <a:rPr lang="en-US" i="1">
+                            <a:latin typeface="Cambria Math" panose="02040503050406030204" pitchFamily="18" charset="0"/>
+                          </a:rPr>
+                        </m:ctrlPr>
+                      </m:fPr>
+                      <m:num>
+                        <m:r>
+                          <a:rPr lang="en-US" i="1">
+                            <a:latin typeface="Cambria Math" panose="02040503050406030204" pitchFamily="18" charset="0"/>
+                          </a:rPr>
+                          <m:t>3</m:t>
+                        </m:r>
+                      </m:num>
+                      <m:den>
+                        <m:d>
+                          <m:dPr>
+                            <m:ctrlPr>
+                              <a:rPr lang="en-US" i="1">
+                                <a:latin typeface="Cambria Math" panose="02040503050406030204" pitchFamily="18" charset="0"/>
+                              </a:rPr>
+                            </m:ctrlPr>
+                          </m:dPr>
+                          <m:e>
+                            <m:r>
+                              <a:rPr lang="en-US" i="1">
+                                <a:latin typeface="Cambria Math" panose="02040503050406030204" pitchFamily="18" charset="0"/>
+                              </a:rPr>
+                              <m:t>1.03</m:t>
+                            </m:r>
+                            <m:r>
+                              <a:rPr lang="en-US" b="0" i="1" smtClean="0">
+                                <a:latin typeface="Cambria Math" panose="02040503050406030204" pitchFamily="18" charset="0"/>
+                              </a:rPr>
+                              <m:t>025</m:t>
+                            </m:r>
+                          </m:e>
+                        </m:d>
+                        <m:r>
+                          <a:rPr lang="en-US" i="1" baseline="30000">
+                            <a:latin typeface="Cambria Math" panose="02040503050406030204" pitchFamily="18" charset="0"/>
+                          </a:rPr>
+                          <m:t>2</m:t>
+                        </m:r>
+                      </m:den>
+                    </m:f>
+                  </m:oMath>
+                </a14:m>
+                <a:r>
+                  <a:rPr lang="en-US" dirty="0"/>
+                  <a:t> +… + </a:t>
+                </a:r>
+                <a14:m>
+                  <m:oMath xmlns:m="http://schemas.openxmlformats.org/officeDocument/2006/math">
+                    <m:f>
+                      <m:fPr>
+                        <m:ctrlPr>
+                          <a:rPr lang="en-US" i="1">
+                            <a:latin typeface="Cambria Math" panose="02040503050406030204" pitchFamily="18" charset="0"/>
+                          </a:rPr>
+                        </m:ctrlPr>
+                      </m:fPr>
+                      <m:num>
+                        <m:r>
+                          <a:rPr lang="en-US" i="1">
+                            <a:latin typeface="Cambria Math" panose="02040503050406030204" pitchFamily="18" charset="0"/>
+                          </a:rPr>
+                          <m:t>10</m:t>
+                        </m:r>
+                        <m:r>
+                          <a:rPr lang="en-US" i="1">
+                            <a:latin typeface="Cambria Math" panose="02040503050406030204" pitchFamily="18" charset="0"/>
+                          </a:rPr>
+                          <m:t>3</m:t>
+                        </m:r>
+                      </m:num>
+                      <m:den>
+                        <m:d>
+                          <m:dPr>
+                            <m:ctrlPr>
+                              <a:rPr lang="en-US" i="1">
+                                <a:latin typeface="Cambria Math" panose="02040503050406030204" pitchFamily="18" charset="0"/>
+                              </a:rPr>
+                            </m:ctrlPr>
+                          </m:dPr>
+                          <m:e>
+                            <m:r>
+                              <a:rPr lang="en-US" i="1">
+                                <a:latin typeface="Cambria Math" panose="02040503050406030204" pitchFamily="18" charset="0"/>
+                              </a:rPr>
+                              <m:t>1.03</m:t>
+                            </m:r>
+                            <m:r>
+                              <a:rPr lang="en-US" b="0" i="1" smtClean="0">
+                                <a:latin typeface="Cambria Math" panose="02040503050406030204" pitchFamily="18" charset="0"/>
+                              </a:rPr>
+                              <m:t>025</m:t>
+                            </m:r>
+                          </m:e>
+                        </m:d>
+                        <m:r>
+                          <a:rPr lang="en-US" i="1" baseline="30000">
+                            <a:latin typeface="Cambria Math" panose="02040503050406030204" pitchFamily="18" charset="0"/>
+                          </a:rPr>
+                          <m:t>8</m:t>
+                        </m:r>
+                      </m:den>
+                    </m:f>
+                  </m:oMath>
+                </a14:m>
+                <a:r>
+                  <a:rPr lang="en-US" dirty="0"/>
+                  <a:t>] *(1.03025)</a:t>
+                </a:r>
+                <a:r>
+                  <a:rPr lang="en-US" baseline="30000" dirty="0"/>
+                  <a:t>57/180 </a:t>
+                </a:r>
+                <a:r>
+                  <a:rPr lang="en-US" dirty="0"/>
+                  <a:t> = 100.771219</a:t>
+                </a:r>
+              </a:p>
+              <a:p>
+                <a14:m>
+                  <m:oMath xmlns:m="http://schemas.openxmlformats.org/officeDocument/2006/math">
+                    <m:r>
+                      <a:rPr lang="en-US" i="1">
+                        <a:latin typeface="Cambria Math" panose="02040503050406030204" pitchFamily="18" charset="0"/>
+                      </a:rPr>
+                      <m:t>𝑃𝑉</m:t>
+                    </m:r>
+                    <m:r>
+                      <a:rPr lang="en-US" i="1" baseline="-10000">
+                        <a:latin typeface="Cambria Math" panose="02040503050406030204" pitchFamily="18" charset="0"/>
+                      </a:rPr>
+                      <m:t>−</m:t>
+                    </m:r>
+                  </m:oMath>
+                </a14:m>
+                <a:r>
+                  <a:rPr lang="en-US" dirty="0"/>
+                  <a:t> = [</a:t>
+                </a:r>
+                <a14:m>
+                  <m:oMath xmlns:m="http://schemas.openxmlformats.org/officeDocument/2006/math">
+                    <m:f>
+                      <m:fPr>
+                        <m:ctrlPr>
+                          <a:rPr lang="en-US" i="1">
+                            <a:latin typeface="Cambria Math" panose="02040503050406030204" pitchFamily="18" charset="0"/>
+                          </a:rPr>
+                        </m:ctrlPr>
+                      </m:fPr>
+                      <m:num>
+                        <m:r>
+                          <a:rPr lang="en-US" i="1">
+                            <a:latin typeface="Cambria Math" panose="02040503050406030204" pitchFamily="18" charset="0"/>
+                          </a:rPr>
+                          <m:t>3</m:t>
+                        </m:r>
+                      </m:num>
+                      <m:den>
+                        <m:d>
+                          <m:dPr>
+                            <m:ctrlPr>
+                              <a:rPr lang="en-US" i="1">
+                                <a:latin typeface="Cambria Math" panose="02040503050406030204" pitchFamily="18" charset="0"/>
+                              </a:rPr>
+                            </m:ctrlPr>
+                          </m:dPr>
+                          <m:e>
+                            <m:r>
+                              <a:rPr lang="en-US" i="1">
+                                <a:latin typeface="Cambria Math" panose="02040503050406030204" pitchFamily="18" charset="0"/>
+                              </a:rPr>
+                              <m:t>1.0</m:t>
+                            </m:r>
+                            <m:r>
+                              <a:rPr lang="en-US" b="0" i="1" smtClean="0">
+                                <a:latin typeface="Cambria Math" panose="02040503050406030204" pitchFamily="18" charset="0"/>
+                              </a:rPr>
+                              <m:t>2975</m:t>
+                            </m:r>
+                          </m:e>
+                        </m:d>
+                        <m:r>
+                          <a:rPr lang="en-US" i="1" baseline="30000">
+                            <a:latin typeface="Cambria Math" panose="02040503050406030204" pitchFamily="18" charset="0"/>
+                          </a:rPr>
+                          <m:t>1</m:t>
+                        </m:r>
+                      </m:den>
+                    </m:f>
+                    <m:r>
+                      <a:rPr lang="en-US" i="1">
+                        <a:latin typeface="Cambria Math" panose="02040503050406030204" pitchFamily="18" charset="0"/>
+                      </a:rPr>
+                      <m:t>+</m:t>
+                    </m:r>
+                    <m:f>
+                      <m:fPr>
+                        <m:ctrlPr>
+                          <a:rPr lang="en-US" i="1">
+                            <a:latin typeface="Cambria Math" panose="02040503050406030204" pitchFamily="18" charset="0"/>
+                          </a:rPr>
+                        </m:ctrlPr>
+                      </m:fPr>
+                      <m:num>
+                        <m:r>
+                          <a:rPr lang="en-US" i="1">
+                            <a:latin typeface="Cambria Math" panose="02040503050406030204" pitchFamily="18" charset="0"/>
+                          </a:rPr>
+                          <m:t>3</m:t>
+                        </m:r>
+                      </m:num>
+                      <m:den>
+                        <m:d>
+                          <m:dPr>
+                            <m:ctrlPr>
+                              <a:rPr lang="en-US" i="1">
+                                <a:latin typeface="Cambria Math" panose="02040503050406030204" pitchFamily="18" charset="0"/>
+                              </a:rPr>
+                            </m:ctrlPr>
+                          </m:dPr>
+                          <m:e>
+                            <m:r>
+                              <a:rPr lang="en-US" i="1">
+                                <a:latin typeface="Cambria Math" panose="02040503050406030204" pitchFamily="18" charset="0"/>
+                              </a:rPr>
+                              <m:t>1.0</m:t>
+                            </m:r>
+                            <m:r>
+                              <a:rPr lang="en-US" b="0" i="1" smtClean="0">
+                                <a:latin typeface="Cambria Math" panose="02040503050406030204" pitchFamily="18" charset="0"/>
+                              </a:rPr>
+                              <m:t>2975</m:t>
+                            </m:r>
+                          </m:e>
+                        </m:d>
+                        <m:r>
+                          <a:rPr lang="en-US" i="1" baseline="30000">
+                            <a:latin typeface="Cambria Math" panose="02040503050406030204" pitchFamily="18" charset="0"/>
+                          </a:rPr>
+                          <m:t>2</m:t>
+                        </m:r>
+                      </m:den>
+                    </m:f>
+                  </m:oMath>
+                </a14:m>
+                <a:r>
+                  <a:rPr lang="en-US" dirty="0"/>
+                  <a:t> +… + </a:t>
+                </a:r>
+                <a14:m>
+                  <m:oMath xmlns:m="http://schemas.openxmlformats.org/officeDocument/2006/math">
+                    <m:f>
+                      <m:fPr>
+                        <m:ctrlPr>
+                          <a:rPr lang="en-US" i="1">
+                            <a:latin typeface="Cambria Math" panose="02040503050406030204" pitchFamily="18" charset="0"/>
+                          </a:rPr>
+                        </m:ctrlPr>
+                      </m:fPr>
+                      <m:num>
+                        <m:r>
+                          <a:rPr lang="en-US" i="1">
+                            <a:latin typeface="Cambria Math" panose="02040503050406030204" pitchFamily="18" charset="0"/>
+                          </a:rPr>
+                          <m:t>103</m:t>
+                        </m:r>
+                      </m:num>
+                      <m:den>
+                        <m:d>
+                          <m:dPr>
+                            <m:ctrlPr>
+                              <a:rPr lang="en-US" i="1">
+                                <a:latin typeface="Cambria Math" panose="02040503050406030204" pitchFamily="18" charset="0"/>
+                              </a:rPr>
+                            </m:ctrlPr>
+                          </m:dPr>
+                          <m:e>
+                            <m:r>
+                              <a:rPr lang="en-US" i="1">
+                                <a:latin typeface="Cambria Math" panose="02040503050406030204" pitchFamily="18" charset="0"/>
+                              </a:rPr>
+                              <m:t>1.0</m:t>
+                            </m:r>
+                            <m:r>
+                              <a:rPr lang="en-US" b="0" i="1" smtClean="0">
+                                <a:latin typeface="Cambria Math" panose="02040503050406030204" pitchFamily="18" charset="0"/>
+                              </a:rPr>
+                              <m:t>2975</m:t>
+                            </m:r>
+                          </m:e>
+                        </m:d>
+                        <m:r>
+                          <a:rPr lang="en-US" i="1" baseline="30000">
+                            <a:latin typeface="Cambria Math" panose="02040503050406030204" pitchFamily="18" charset="0"/>
+                          </a:rPr>
+                          <m:t>8</m:t>
+                        </m:r>
+                      </m:den>
+                    </m:f>
+                  </m:oMath>
+                </a14:m>
+                <a:r>
+                  <a:rPr lang="en-US" dirty="0"/>
+                  <a:t>] *(1.02975)</a:t>
+                </a:r>
+                <a:r>
+                  <a:rPr lang="en-US" baseline="30000" dirty="0"/>
+                  <a:t>57/180 </a:t>
+                </a:r>
+                <a:r>
+                  <a:rPr lang="en-US" dirty="0"/>
+                  <a:t> = 101.110003</a:t>
+                </a:r>
+              </a:p>
+              <a:p>
+                <a:r>
+                  <a:rPr lang="en-US" dirty="0"/>
+                  <a:t>ApproxModDur = </a:t>
+                </a:r>
+                <a14:m>
+                  <m:oMath xmlns:m="http://schemas.openxmlformats.org/officeDocument/2006/math">
+                    <m:f>
+                      <m:fPr>
+                        <m:ctrlPr>
+                          <a:rPr lang="en-US" i="1" smtClean="0">
+                            <a:latin typeface="Cambria Math" panose="02040503050406030204" pitchFamily="18" charset="0"/>
+                          </a:rPr>
+                        </m:ctrlPr>
+                      </m:fPr>
+                      <m:num>
+                        <m:r>
+                          <a:rPr lang="en-US" b="0" i="1" smtClean="0">
+                            <a:latin typeface="Cambria Math" panose="02040503050406030204" pitchFamily="18" charset="0"/>
+                          </a:rPr>
+                          <m:t>101.110003−100.771219</m:t>
+                        </m:r>
+                      </m:num>
+                      <m:den>
+                        <m:r>
+                          <a:rPr lang="en-US" b="0" i="1" smtClean="0">
+                            <a:latin typeface="Cambria Math" panose="02040503050406030204" pitchFamily="18" charset="0"/>
+                          </a:rPr>
+                          <m:t>2∗0.0005∗100.940423</m:t>
+                        </m:r>
+                      </m:den>
+                    </m:f>
+                  </m:oMath>
+                </a14:m>
+                <a:r>
+                  <a:rPr lang="en-US" dirty="0"/>
+                  <a:t> = 3.3563</a:t>
+                </a:r>
               </a:p>
             </p:txBody>
           </p:sp>
@@ -24600,7 +25231,7 @@
               <a:blipFill>
                 <a:blip r:embed="rId2"/>
                 <a:stretch>
-                  <a:fillRect l="-815" t="-2424"/>
+                  <a:fillRect l="-815" t="-3333"/>
                 </a:stretch>
               </a:blipFill>
             </p:spPr>

--- a/Fixed Income-29.pptx
+++ b/Fixed Income-29.pptx
@@ -216,7 +216,7 @@
           <a:p>
             <a:fld id="{E1548280-F18E-4769-9169-02F5DF14C56C}" type="datetimeFigureOut">
               <a:rPr lang="en-US" smtClean="0"/>
-              <a:t>4/12/2023</a:t>
+              <a:t>4/13/2023</a:t>
             </a:fld>
             <a:endParaRPr lang="en-US"/>
           </a:p>
@@ -9363,7 +9363,7 @@
           <a:p>
             <a:fld id="{1EAE87C0-8280-45FA-80E7-8D3312DCDAEE}" type="datetimeFigureOut">
               <a:rPr lang="en-US" smtClean="0"/>
-              <a:t>4/12/2023</a:t>
+              <a:t>4/13/2023</a:t>
             </a:fld>
             <a:endParaRPr lang="en-US"/>
           </a:p>
@@ -9570,7 +9570,7 @@
           <a:p>
             <a:fld id="{1EAE87C0-8280-45FA-80E7-8D3312DCDAEE}" type="datetimeFigureOut">
               <a:rPr lang="en-US" smtClean="0"/>
-              <a:t>4/12/2023</a:t>
+              <a:t>4/13/2023</a:t>
             </a:fld>
             <a:endParaRPr lang="en-US"/>
           </a:p>
@@ -9750,7 +9750,7 @@
           <a:p>
             <a:fld id="{1EAE87C0-8280-45FA-80E7-8D3312DCDAEE}" type="datetimeFigureOut">
               <a:rPr lang="en-US" smtClean="0"/>
-              <a:t>4/12/2023</a:t>
+              <a:t>4/13/2023</a:t>
             </a:fld>
             <a:endParaRPr lang="en-US"/>
           </a:p>
@@ -9955,7 +9955,7 @@
           <a:p>
             <a:fld id="{1EAE87C0-8280-45FA-80E7-8D3312DCDAEE}" type="datetimeFigureOut">
               <a:rPr lang="en-US" smtClean="0"/>
-              <a:t>4/12/2023</a:t>
+              <a:t>4/13/2023</a:t>
             </a:fld>
             <a:endParaRPr lang="en-US"/>
           </a:p>
@@ -18853,7 +18853,7 @@
           <a:p>
             <a:fld id="{1EAE87C0-8280-45FA-80E7-8D3312DCDAEE}" type="datetimeFigureOut">
               <a:rPr lang="en-US" smtClean="0"/>
-              <a:t>4/12/2023</a:t>
+              <a:t>4/13/2023</a:t>
             </a:fld>
             <a:endParaRPr lang="en-US"/>
           </a:p>
@@ -19127,7 +19127,7 @@
           <a:p>
             <a:fld id="{1EAE87C0-8280-45FA-80E7-8D3312DCDAEE}" type="datetimeFigureOut">
               <a:rPr lang="en-US" smtClean="0"/>
-              <a:t>4/12/2023</a:t>
+              <a:t>4/13/2023</a:t>
             </a:fld>
             <a:endParaRPr lang="en-US"/>
           </a:p>
@@ -19525,7 +19525,7 @@
           <a:p>
             <a:fld id="{1EAE87C0-8280-45FA-80E7-8D3312DCDAEE}" type="datetimeFigureOut">
               <a:rPr lang="en-US" smtClean="0"/>
-              <a:t>4/12/2023</a:t>
+              <a:t>4/13/2023</a:t>
             </a:fld>
             <a:endParaRPr lang="en-US"/>
           </a:p>
@@ -19643,7 +19643,7 @@
           <a:p>
             <a:fld id="{1EAE87C0-8280-45FA-80E7-8D3312DCDAEE}" type="datetimeFigureOut">
               <a:rPr lang="en-US" smtClean="0"/>
-              <a:t>4/12/2023</a:t>
+              <a:t>4/13/2023</a:t>
             </a:fld>
             <a:endParaRPr lang="en-US"/>
           </a:p>
@@ -19738,7 +19738,7 @@
           <a:p>
             <a:fld id="{1EAE87C0-8280-45FA-80E7-8D3312DCDAEE}" type="datetimeFigureOut">
               <a:rPr lang="en-US" smtClean="0"/>
-              <a:t>4/12/2023</a:t>
+              <a:t>4/13/2023</a:t>
             </a:fld>
             <a:endParaRPr lang="en-US"/>
           </a:p>
@@ -20028,7 +20028,7 @@
           <a:p>
             <a:fld id="{1EAE87C0-8280-45FA-80E7-8D3312DCDAEE}" type="datetimeFigureOut">
               <a:rPr lang="en-US" smtClean="0"/>
-              <a:t>4/12/2023</a:t>
+              <a:t>4/13/2023</a:t>
             </a:fld>
             <a:endParaRPr lang="en-US"/>
           </a:p>
@@ -20308,7 +20308,7 @@
           <a:p>
             <a:fld id="{1EAE87C0-8280-45FA-80E7-8D3312DCDAEE}" type="datetimeFigureOut">
               <a:rPr lang="en-US" smtClean="0"/>
-              <a:t>4/12/2023</a:t>
+              <a:t>4/13/2023</a:t>
             </a:fld>
             <a:endParaRPr lang="en-US"/>
           </a:p>
@@ -20558,7 +20558,7 @@
           <a:p>
             <a:fld id="{1EAE87C0-8280-45FA-80E7-8D3312DCDAEE}" type="datetimeFigureOut">
               <a:rPr lang="en-US" smtClean="0"/>
-              <a:t>4/12/2023</a:t>
+              <a:t>4/13/2023</a:t>
             </a:fld>
             <a:endParaRPr lang="en-US"/>
           </a:p>
@@ -21139,7 +21139,43 @@
           <a:p>
             <a:r>
               <a:rPr lang="en-US" sz="2400" dirty="0"/>
-              <a:t>The duration of a bond measures the sensitivity of the bond’s full price (including accrued interest) to changes in the bond’s yield-to-maturity or, more generally, to changes in benchmark interest rates.</a:t>
+              <a:t>The duration of a bond measures the sensitivity of the </a:t>
+            </a:r>
+            <a:r>
+              <a:rPr lang="en-US" sz="2400" dirty="0">
+                <a:solidFill>
+                  <a:srgbClr val="FF0000"/>
+                </a:solidFill>
+              </a:rPr>
+              <a:t>bond’s full price </a:t>
+            </a:r>
+            <a:r>
+              <a:rPr lang="en-US" sz="2400" dirty="0"/>
+              <a:t>(including accrued interest) to changes in the </a:t>
+            </a:r>
+            <a:r>
+              <a:rPr lang="en-US" sz="2400" dirty="0">
+                <a:solidFill>
+                  <a:srgbClr val="FF0000"/>
+                </a:solidFill>
+              </a:rPr>
+              <a:t>bond’s yield-to-maturity </a:t>
+            </a:r>
+            <a:r>
+              <a:rPr lang="en-US" sz="2400" dirty="0"/>
+              <a:t>or, more generally, to changes in </a:t>
+            </a:r>
+            <a:r>
+              <a:rPr lang="en-US" sz="2400" dirty="0">
+                <a:solidFill>
+                  <a:srgbClr val="FF0000"/>
+                </a:solidFill>
+              </a:rPr>
+              <a:t>benchmark interest rates</a:t>
+            </a:r>
+            <a:r>
+              <a:rPr lang="en-US" sz="2400" dirty="0"/>
+              <a:t>.</a:t>
             </a:r>
           </a:p>
           <a:p>
@@ -21333,8 +21369,8 @@
           </a:p>
         </p:txBody>
       </p:sp>
-      <mc:AlternateContent xmlns:mc="http://schemas.openxmlformats.org/markup-compatibility/2006" xmlns:a14="http://schemas.microsoft.com/office/drawing/2010/main">
-        <mc:Choice Requires="a14">
+      <mc:AlternateContent xmlns:mc="http://schemas.openxmlformats.org/markup-compatibility/2006">
+        <mc:Choice xmlns:a14="http://schemas.microsoft.com/office/drawing/2010/main" Requires="a14">
           <p:sp>
             <p:nvSpPr>
               <p:cNvPr id="3" name="Content Placeholder 2">
@@ -21357,8 +21393,16 @@
               <a:lstStyle/>
               <a:p>
                 <a:r>
+                  <a:rPr lang="en-US" sz="2400" b="1" dirty="0">
+                    <a:solidFill>
+                      <a:srgbClr val="FF0000"/>
+                    </a:solidFill>
+                  </a:rPr>
+                  <a:t>Macaulay duration </a:t>
+                </a:r>
+                <a:r>
                   <a:rPr lang="en-US" sz="2400" dirty="0"/>
-                  <a:t>Macaulay duration is a weighted average of the time to receipt of the bond’s promised payments, where the weights are the shares of the full price that correspond to each of the bond’s promised future payments.</a:t>
+                  <a:t>is a weighted average of the time to receipt of the bond’s promised payments, where the weights are the shares of the full price that correspond to each of the bond’s promised future payments.</a:t>
                 </a:r>
               </a:p>
               <a:p>
@@ -21709,7 +21753,7 @@
             </p:txBody>
           </p:sp>
         </mc:Choice>
-        <mc:Fallback xmlns="">
+        <mc:Fallback>
           <p:sp>
             <p:nvSpPr>
               <p:cNvPr id="3" name="Content Placeholder 2">
@@ -21730,7 +21774,7 @@
               <a:blipFill>
                 <a:blip r:embed="rId2"/>
                 <a:stretch>
-                  <a:fillRect l="-815" t="-2121" r="-1003"/>
+                  <a:fillRect l="-815" t="-2121" r="-1630"/>
                 </a:stretch>
               </a:blipFill>
             </p:spPr>
@@ -22935,7 +22979,7 @@
           <a:p>
             <a:r>
               <a:rPr lang="en-US" dirty="0"/>
-              <a:t>Macaulay duration of a four-year, 6% semiannual payment bond priced to yield 6%. A 6% semiannual payment corporate bond that matures on 14 February 2023 is purchased for settlement on 11 April 2019. The coupon payments are 3 per 100 of par value, paid on 14 February and 14 August of each year. 30/360 method to count days.</a:t>
+              <a:t>Macaulay duration of a five-year, 6% semiannual payment bond priced to yield 6%. A 6% semiannual payment corporate bond that matures on 14 February 2023 is purchased for settlement on 11 April 2019. The coupon payments are 3 per 100 of par value, paid on 14 February and 14 August of each year. 30/360 method to count days.</a:t>
             </a:r>
           </a:p>
           <a:p>
@@ -24916,13 +24960,7 @@
                           <a:rPr lang="en-US" i="1">
                             <a:latin typeface="Cambria Math" panose="02040503050406030204" pitchFamily="18" charset="0"/>
                           </a:rPr>
-                          <m:t>10</m:t>
-                        </m:r>
-                        <m:r>
-                          <a:rPr lang="en-US" i="1">
-                            <a:latin typeface="Cambria Math" panose="02040503050406030204" pitchFamily="18" charset="0"/>
-                          </a:rPr>
-                          <m:t>3</m:t>
+                          <m:t>103</m:t>
                         </m:r>
                       </m:num>
                       <m:den>
@@ -25184,19 +25222,38 @@
                         </m:ctrlPr>
                       </m:fPr>
                       <m:num>
-                        <m:r>
-                          <a:rPr lang="en-US" b="0" i="1" smtClean="0">
-                            <a:latin typeface="Cambria Math" panose="02040503050406030204" pitchFamily="18" charset="0"/>
-                          </a:rPr>
-                          <m:t>101.110003−100.771219</m:t>
-                        </m:r>
+                        <m:f>
+                          <m:fPr>
+                            <m:ctrlPr>
+                              <a:rPr lang="en-US" i="1" smtClean="0">
+                                <a:latin typeface="Cambria Math" panose="02040503050406030204" pitchFamily="18" charset="0"/>
+                              </a:rPr>
+                            </m:ctrlPr>
+                          </m:fPr>
+                          <m:num>
+                            <m:r>
+                              <a:rPr lang="en-US" b="0" i="1" smtClean="0">
+                                <a:latin typeface="Cambria Math" panose="02040503050406030204" pitchFamily="18" charset="0"/>
+                              </a:rPr>
+                              <m:t>101.110003−100.771219</m:t>
+                            </m:r>
+                          </m:num>
+                          <m:den>
+                            <m:r>
+                              <a:rPr lang="en-US" b="0" i="1" smtClean="0">
+                                <a:latin typeface="Cambria Math" panose="02040503050406030204" pitchFamily="18" charset="0"/>
+                              </a:rPr>
+                              <m:t>100.940423</m:t>
+                            </m:r>
+                          </m:den>
+                        </m:f>
                       </m:num>
                       <m:den>
                         <m:r>
                           <a:rPr lang="en-US" b="0" i="1" smtClean="0">
                             <a:latin typeface="Cambria Math" panose="02040503050406030204" pitchFamily="18" charset="0"/>
                           </a:rPr>
-                          <m:t>2∗0.0005∗100.940423</m:t>
+                          <m:t>2∗0.0005</m:t>
                         </m:r>
                       </m:den>
                     </m:f>
